--- a/UML_Vorlage_Christian.pptx
+++ b/UML_Vorlage_Christian.pptx
@@ -14,8 +14,8 @@
     <p:sldId id="266" r:id="rId8"/>
     <p:sldId id="263" r:id="rId9"/>
     <p:sldId id="264" r:id="rId10"/>
-    <p:sldId id="262" r:id="rId11"/>
-    <p:sldId id="265" r:id="rId12"/>
+    <p:sldId id="265" r:id="rId11"/>
+    <p:sldId id="262" r:id="rId12"/>
   </p:sldIdLst>
   <p:sldSz cx="12192000" cy="6858000"/>
   <p:notesSz cx="6858000" cy="9144000"/>
@@ -292,7 +292,7 @@
           <a:p>
             <a:fld id="{48A87A34-81AB-432B-8DAE-1953F412C126}" type="datetimeFigureOut">
               <a:rPr lang="en-US" dirty="0"/>
-              <a:t>10/6/2020</a:t>
+              <a:t>10/11/2020</a:t>
             </a:fld>
             <a:endParaRPr lang="en-US" dirty="0"/>
           </a:p>
@@ -554,7 +554,7 @@
           <a:p>
             <a:fld id="{48A87A34-81AB-432B-8DAE-1953F412C126}" type="datetimeFigureOut">
               <a:rPr lang="en-US" dirty="0"/>
-              <a:t>10/6/2020</a:t>
+              <a:t>10/11/2020</a:t>
             </a:fld>
             <a:endParaRPr lang="en-US" dirty="0"/>
           </a:p>
@@ -781,7 +781,7 @@
             <a:fld id="{48A87A34-81AB-432B-8DAE-1953F412C126}" type="datetimeFigureOut">
               <a:rPr lang="en-US" dirty="0"/>
               <a:pPr/>
-              <a:t>10/6/2020</a:t>
+              <a:t>10/11/2020</a:t>
             </a:fld>
             <a:endParaRPr lang="en-US" dirty="0"/>
           </a:p>
@@ -1087,7 +1087,7 @@
             <a:fld id="{48A87A34-81AB-432B-8DAE-1953F412C126}" type="datetimeFigureOut">
               <a:rPr lang="en-US" dirty="0"/>
               <a:pPr/>
-              <a:t>10/6/2020</a:t>
+              <a:t>10/11/2020</a:t>
             </a:fld>
             <a:endParaRPr lang="en-US" dirty="0"/>
           </a:p>
@@ -1556,7 +1556,7 @@
             <a:fld id="{48A87A34-81AB-432B-8DAE-1953F412C126}" type="datetimeFigureOut">
               <a:rPr lang="en-US" dirty="0"/>
               <a:pPr/>
-              <a:t>10/6/2020</a:t>
+              <a:t>10/11/2020</a:t>
             </a:fld>
             <a:endParaRPr lang="en-US" dirty="0"/>
           </a:p>
@@ -2098,7 +2098,7 @@
           <a:p>
             <a:fld id="{48A87A34-81AB-432B-8DAE-1953F412C126}" type="datetimeFigureOut">
               <a:rPr lang="en-US" dirty="0"/>
-              <a:t>10/6/2020</a:t>
+              <a:t>10/11/2020</a:t>
             </a:fld>
             <a:endParaRPr lang="en-US" dirty="0"/>
           </a:p>
@@ -2867,7 +2867,7 @@
           <a:p>
             <a:fld id="{48A87A34-81AB-432B-8DAE-1953F412C126}" type="datetimeFigureOut">
               <a:rPr lang="en-US" dirty="0"/>
-              <a:t>10/6/2020</a:t>
+              <a:t>10/11/2020</a:t>
             </a:fld>
             <a:endParaRPr lang="en-US" dirty="0"/>
           </a:p>
@@ -3037,7 +3037,7 @@
           <a:p>
             <a:fld id="{48A87A34-81AB-432B-8DAE-1953F412C126}" type="datetimeFigureOut">
               <a:rPr lang="en-US" dirty="0"/>
-              <a:t>10/6/2020</a:t>
+              <a:t>10/11/2020</a:t>
             </a:fld>
             <a:endParaRPr lang="en-US" dirty="0"/>
           </a:p>
@@ -3256,7 +3256,7 @@
             <a:fld id="{48A87A34-81AB-432B-8DAE-1953F412C126}" type="datetimeFigureOut">
               <a:rPr lang="en-US" dirty="0"/>
               <a:pPr/>
-              <a:t>10/6/2020</a:t>
+              <a:t>10/11/2020</a:t>
             </a:fld>
             <a:endParaRPr lang="en-US" dirty="0"/>
           </a:p>
@@ -3431,7 +3431,7 @@
           <a:p>
             <a:fld id="{48A87A34-81AB-432B-8DAE-1953F412C126}" type="datetimeFigureOut">
               <a:rPr lang="en-US" dirty="0"/>
-              <a:t>10/6/2020</a:t>
+              <a:t>10/11/2020</a:t>
             </a:fld>
             <a:endParaRPr lang="en-US" dirty="0"/>
           </a:p>
@@ -3716,7 +3716,7 @@
             <a:fld id="{48A87A34-81AB-432B-8DAE-1953F412C126}" type="datetimeFigureOut">
               <a:rPr lang="en-US" dirty="0"/>
               <a:pPr/>
-              <a:t>10/6/2020</a:t>
+              <a:t>10/11/2020</a:t>
             </a:fld>
             <a:endParaRPr lang="en-US" dirty="0"/>
           </a:p>
@@ -3953,7 +3953,7 @@
           <a:p>
             <a:fld id="{48A87A34-81AB-432B-8DAE-1953F412C126}" type="datetimeFigureOut">
               <a:rPr lang="en-US" dirty="0"/>
-              <a:t>10/6/2020</a:t>
+              <a:t>10/11/2020</a:t>
             </a:fld>
             <a:endParaRPr lang="en-US" dirty="0"/>
           </a:p>
@@ -4327,7 +4327,7 @@
           <a:p>
             <a:fld id="{48A87A34-81AB-432B-8DAE-1953F412C126}" type="datetimeFigureOut">
               <a:rPr lang="en-US" dirty="0"/>
-              <a:t>10/6/2020</a:t>
+              <a:t>10/11/2020</a:t>
             </a:fld>
             <a:endParaRPr lang="en-US" dirty="0"/>
           </a:p>
@@ -4440,7 +4440,7 @@
           <a:p>
             <a:fld id="{48A87A34-81AB-432B-8DAE-1953F412C126}" type="datetimeFigureOut">
               <a:rPr lang="en-US" dirty="0"/>
-              <a:t>10/6/2020</a:t>
+              <a:t>10/11/2020</a:t>
             </a:fld>
             <a:endParaRPr lang="en-US" dirty="0"/>
           </a:p>
@@ -4530,7 +4530,7 @@
           <a:p>
             <a:fld id="{48A87A34-81AB-432B-8DAE-1953F412C126}" type="datetimeFigureOut">
               <a:rPr lang="en-US" dirty="0"/>
-              <a:t>10/6/2020</a:t>
+              <a:t>10/11/2020</a:t>
             </a:fld>
             <a:endParaRPr lang="en-US" dirty="0"/>
           </a:p>
@@ -4774,7 +4774,7 @@
           <a:p>
             <a:fld id="{48A87A34-81AB-432B-8DAE-1953F412C126}" type="datetimeFigureOut">
               <a:rPr lang="en-US" dirty="0"/>
-              <a:t>10/6/2020</a:t>
+              <a:t>10/11/2020</a:t>
             </a:fld>
             <a:endParaRPr lang="en-US" dirty="0"/>
           </a:p>
@@ -5026,7 +5026,7 @@
           <a:p>
             <a:fld id="{48A87A34-81AB-432B-8DAE-1953F412C126}" type="datetimeFigureOut">
               <a:rPr lang="en-US" dirty="0"/>
-              <a:t>10/6/2020</a:t>
+              <a:t>10/11/2020</a:t>
             </a:fld>
             <a:endParaRPr lang="en-US" dirty="0"/>
           </a:p>
@@ -5265,7 +5265,7 @@
             <a:fld id="{48A87A34-81AB-432B-8DAE-1953F412C126}" type="datetimeFigureOut">
               <a:rPr lang="en-US" dirty="0"/>
               <a:pPr/>
-              <a:t>10/6/2020</a:t>
+              <a:t>10/11/2020</a:t>
             </a:fld>
             <a:endParaRPr lang="en-US" dirty="0"/>
           </a:p>
@@ -5842,7 +5842,7 @@
           <a:p>
             <a:r>
               <a:rPr lang="de-AT" b="1" dirty="0"/>
-              <a:t>ÜBERSICHTSDIAGRAMM</a:t>
+              <a:t>ZEITVERLAUFSDIAGRAMM</a:t>
             </a:r>
           </a:p>
         </p:txBody>
@@ -5852,7 +5852,7 @@
           <p:cNvPr id="5" name="Inhaltsplatzhalter 4">
             <a:extLst>
               <a:ext uri="{FF2B5EF4-FFF2-40B4-BE49-F238E27FC236}">
-                <a16:creationId xmlns:a16="http://schemas.microsoft.com/office/drawing/2014/main" id="{968E119D-6DB2-430E-A59D-2A28EF02F81E}"/>
+                <a16:creationId xmlns:a16="http://schemas.microsoft.com/office/drawing/2014/main" id="{812134F6-D902-469D-98B4-DFB690C7A9F5}"/>
               </a:ext>
             </a:extLst>
           </p:cNvPr>
@@ -5871,15 +5871,15 @@
         </p:blipFill>
         <p:spPr>
           <a:xfrm>
-            <a:off x="1278384" y="1381124"/>
-            <a:ext cx="10503025" cy="5338655"/>
+            <a:off x="417517" y="1382559"/>
+            <a:ext cx="11363891" cy="5048419"/>
           </a:xfrm>
         </p:spPr>
       </p:pic>
     </p:spTree>
     <p:extLst>
       <p:ext uri="{BB962C8B-B14F-4D97-AF65-F5344CB8AC3E}">
-        <p14:creationId xmlns:p14="http://schemas.microsoft.com/office/powerpoint/2010/main" val="3692052122"/>
+        <p14:creationId xmlns:p14="http://schemas.microsoft.com/office/powerpoint/2010/main" val="1514990039"/>
       </p:ext>
     </p:extLst>
   </p:cSld>
@@ -5934,7 +5934,7 @@
           <a:p>
             <a:r>
               <a:rPr lang="de-AT" b="1" dirty="0"/>
-              <a:t>ZEITVERLAUFSDIAGRAMM</a:t>
+              <a:t>ÜBERSICHTSDIAGRAMM</a:t>
             </a:r>
           </a:p>
         </p:txBody>
@@ -5944,7 +5944,7 @@
           <p:cNvPr id="5" name="Inhaltsplatzhalter 4">
             <a:extLst>
               <a:ext uri="{FF2B5EF4-FFF2-40B4-BE49-F238E27FC236}">
-                <a16:creationId xmlns:a16="http://schemas.microsoft.com/office/drawing/2014/main" id="{812134F6-D902-469D-98B4-DFB690C7A9F5}"/>
+                <a16:creationId xmlns:a16="http://schemas.microsoft.com/office/drawing/2014/main" id="{968E119D-6DB2-430E-A59D-2A28EF02F81E}"/>
               </a:ext>
             </a:extLst>
           </p:cNvPr>
@@ -5963,15 +5963,15 @@
         </p:blipFill>
         <p:spPr>
           <a:xfrm>
-            <a:off x="417517" y="1382559"/>
-            <a:ext cx="11363891" cy="5048419"/>
+            <a:off x="1278384" y="1381124"/>
+            <a:ext cx="10503025" cy="5338655"/>
           </a:xfrm>
         </p:spPr>
       </p:pic>
     </p:spTree>
     <p:extLst>
       <p:ext uri="{BB962C8B-B14F-4D97-AF65-F5344CB8AC3E}">
-        <p14:creationId xmlns:p14="http://schemas.microsoft.com/office/powerpoint/2010/main" val="1514990039"/>
+        <p14:creationId xmlns:p14="http://schemas.microsoft.com/office/powerpoint/2010/main" val="3692052122"/>
       </p:ext>
     </p:extLst>
   </p:cSld>

--- a/UML_Vorlage_Christian.pptx
+++ b/UML_Vorlage_Christian.pptx
@@ -6177,7 +6177,7 @@
             </a:pPr>
             <a:r>
               <a:rPr lang="de-AT" sz="3400" dirty="0"/>
-              <a:t>App zum Entsperren</a:t>
+              <a:t>App zum Buchen</a:t>
             </a:r>
           </a:p>
           <a:p>
@@ -6189,7 +6189,7 @@
             </a:pPr>
             <a:r>
               <a:rPr lang="de-AT" sz="3400" dirty="0"/>
-              <a:t>Keycard mit RFID und GPS </a:t>
+              <a:t>Keycard mit RFID und GPS zum Entsperren </a:t>
             </a:r>
           </a:p>
           <a:p>
